--- a/NSC-R Tidy Tuesday slides November 15 - 2022.pptx
+++ b/NSC-R Tidy Tuesday slides November 15 - 2022.pptx
@@ -5,9 +5,9 @@
     <p:sldMasterId id="2147483648" r:id="rId1"/>
   </p:sldMasterIdLst>
   <p:sldIdLst>
-    <p:sldId id="256" r:id="rId2"/>
-    <p:sldId id="259" r:id="rId3"/>
-    <p:sldId id="257" r:id="rId4"/>
+    <p:sldId id="259" r:id="rId2"/>
+    <p:sldId id="257" r:id="rId3"/>
+    <p:sldId id="261" r:id="rId4"/>
     <p:sldId id="258" r:id="rId5"/>
     <p:sldId id="260" r:id="rId6"/>
   </p:sldIdLst>
@@ -3353,110 +3353,487 @@
       </p:grpSpPr>
       <p:sp>
         <p:nvSpPr>
-          <p:cNvPr id="2" name="Title 1">
-            <a:extLst>
-              <a:ext uri="{FF2B5EF4-FFF2-40B4-BE49-F238E27FC236}">
-                <a16:creationId xmlns:a16="http://schemas.microsoft.com/office/drawing/2014/main" id="{527BE1C6-D094-4733-B2A4-C3C6220A639A}"/>
-              </a:ext>
-            </a:extLst>
-          </p:cNvPr>
-          <p:cNvSpPr>
-            <a:spLocks noGrp="1"/>
-          </p:cNvSpPr>
-          <p:nvPr>
-            <p:ph type="ctrTitle"/>
+          <p:cNvPr id="2" name="Titel 1">
+            <a:extLst>
+              <a:ext uri="{FF2B5EF4-FFF2-40B4-BE49-F238E27FC236}">
+                <a16:creationId xmlns:a16="http://schemas.microsoft.com/office/drawing/2014/main" id="{1D5450EF-DB0C-4154-8C31-3C04599C3148}"/>
+              </a:ext>
+            </a:extLst>
+          </p:cNvPr>
+          <p:cNvSpPr>
+            <a:spLocks noGrp="1"/>
+          </p:cNvSpPr>
+          <p:nvPr>
+            <p:ph type="title"/>
           </p:nvPr>
         </p:nvSpPr>
         <p:spPr/>
         <p:txBody>
-          <a:bodyPr/>
-          <a:lstStyle/>
-          <a:p>
-            <a:r>
-              <a:rPr lang="en-GB"/>
-              <a:t>NSC-R Tidy Tuesdays</a:t>
-            </a:r>
-          </a:p>
-        </p:txBody>
-      </p:sp>
-      <p:sp>
-        <p:nvSpPr>
-          <p:cNvPr id="3" name="Subtitle 2">
-            <a:extLst>
-              <a:ext uri="{FF2B5EF4-FFF2-40B4-BE49-F238E27FC236}">
-                <a16:creationId xmlns:a16="http://schemas.microsoft.com/office/drawing/2014/main" id="{5D290A4C-BD2B-489B-9494-5A06A98558A4}"/>
-              </a:ext>
-            </a:extLst>
-          </p:cNvPr>
-          <p:cNvSpPr>
-            <a:spLocks noGrp="1"/>
-          </p:cNvSpPr>
-          <p:nvPr>
-            <p:ph type="subTitle" idx="1"/>
-          </p:nvPr>
+          <a:bodyPr>
+            <a:normAutofit/>
+          </a:bodyPr>
+          <a:lstStyle/>
+          <a:p>
+            <a:pPr algn="ctr"/>
+            <a:r>
+              <a:rPr lang="en-GB" sz="8000" dirty="0"/>
+              <a:t>NSC-R Workshops</a:t>
+            </a:r>
+          </a:p>
+        </p:txBody>
+      </p:sp>
+      <p:sp>
+        <p:nvSpPr>
+          <p:cNvPr id="4" name="Tekstvak 3">
+            <a:extLst>
+              <a:ext uri="{FF2B5EF4-FFF2-40B4-BE49-F238E27FC236}">
+                <a16:creationId xmlns:a16="http://schemas.microsoft.com/office/drawing/2014/main" id="{F61DE96D-36A2-43A9-A466-940F90202214}"/>
+              </a:ext>
+            </a:extLst>
+          </p:cNvPr>
+          <p:cNvSpPr txBox="1"/>
+          <p:nvPr/>
         </p:nvSpPr>
         <p:spPr>
           <a:xfrm>
-            <a:off x="3793524" y="3602037"/>
-            <a:ext cx="5078627" cy="2724621"/>
+            <a:off x="1505527" y="1806926"/>
+            <a:ext cx="4308757" cy="3139321"/>
           </a:xfrm>
+          <a:prstGeom prst="rect">
+            <a:avLst/>
+          </a:prstGeom>
+          <a:noFill/>
         </p:spPr>
         <p:txBody>
-          <a:bodyPr>
-            <a:normAutofit fontScale="92500" lnSpcReduction="20000"/>
+          <a:bodyPr wrap="square" rtlCol="0">
+            <a:spAutoFit/>
           </a:bodyPr>
           <a:lstStyle/>
           <a:p>
             <a:r>
+              <a:rPr lang="en-GB" b="1" dirty="0"/>
+              <a:t>Regular workshops</a:t>
+            </a:r>
+          </a:p>
+          <a:p>
+            <a:endParaRPr lang="en-GB" dirty="0"/>
+          </a:p>
+          <a:p>
+            <a:r>
+              <a:rPr lang="en-GB" dirty="0">
+                <a:solidFill>
+                  <a:schemeClr val="accent1"/>
+                </a:solidFill>
+              </a:rPr>
+              <a:t>Once a month</a:t>
+            </a:r>
+          </a:p>
+          <a:p>
+            <a:r>
+              <a:rPr lang="en-GB" dirty="0">
+                <a:solidFill>
+                  <a:schemeClr val="accent1"/>
+                </a:solidFill>
+              </a:rPr>
+              <a:t>Online</a:t>
+            </a:r>
+          </a:p>
+          <a:p>
+            <a:r>
+              <a:rPr lang="en-GB" dirty="0">
+                <a:solidFill>
+                  <a:schemeClr val="accent1"/>
+                </a:solidFill>
+              </a:rPr>
+              <a:t>Open to all</a:t>
+            </a:r>
+          </a:p>
+          <a:p>
+            <a:endParaRPr lang="en-GB" dirty="0"/>
+          </a:p>
+          <a:p>
+            <a:r>
+              <a:rPr lang="en-GB" dirty="0">
+                <a:solidFill>
+                  <a:schemeClr val="accent6">
+                    <a:lumMod val="75000"/>
+                  </a:schemeClr>
+                </a:solidFill>
+              </a:rPr>
+              <a:t>Special or advanced skills</a:t>
+            </a:r>
+          </a:p>
+          <a:p>
+            <a:r>
+              <a:rPr lang="en-GB" dirty="0">
+                <a:solidFill>
+                  <a:schemeClr val="accent6">
+                    <a:lumMod val="75000"/>
+                  </a:schemeClr>
+                </a:solidFill>
+              </a:rPr>
+              <a:t>Led by specialists</a:t>
+            </a:r>
+          </a:p>
+          <a:p>
+            <a:r>
+              <a:rPr lang="en-GB" dirty="0">
+                <a:solidFill>
+                  <a:schemeClr val="accent6">
+                    <a:lumMod val="75000"/>
+                  </a:schemeClr>
+                </a:solidFill>
+              </a:rPr>
+              <a:t>Data decided by presenters</a:t>
+            </a:r>
+          </a:p>
+          <a:p>
+            <a:r>
+              <a:rPr lang="en-GB" dirty="0">
+                <a:solidFill>
+                  <a:schemeClr val="accent6">
+                    <a:lumMod val="75000"/>
+                  </a:schemeClr>
+                </a:solidFill>
+              </a:rPr>
+              <a:t>Non-repetitive</a:t>
+            </a:r>
+          </a:p>
+          <a:p>
+            <a:r>
+              <a:rPr lang="en-GB" dirty="0">
+                <a:solidFill>
+                  <a:schemeClr val="accent6">
+                    <a:lumMod val="75000"/>
+                  </a:schemeClr>
+                </a:solidFill>
+              </a:rPr>
+              <a:t>More structured</a:t>
+            </a:r>
+          </a:p>
+        </p:txBody>
+      </p:sp>
+      <p:sp>
+        <p:nvSpPr>
+          <p:cNvPr id="5" name="Tekstvak 4">
+            <a:extLst>
+              <a:ext uri="{FF2B5EF4-FFF2-40B4-BE49-F238E27FC236}">
+                <a16:creationId xmlns:a16="http://schemas.microsoft.com/office/drawing/2014/main" id="{44D098D6-AA2F-4FF3-BA8F-C405C0BE3D38}"/>
+              </a:ext>
+            </a:extLst>
+          </p:cNvPr>
+          <p:cNvSpPr txBox="1"/>
+          <p:nvPr/>
+        </p:nvSpPr>
+        <p:spPr>
+          <a:xfrm>
+            <a:off x="6063679" y="1820781"/>
+            <a:ext cx="4308757" cy="3139321"/>
+          </a:xfrm>
+          <a:prstGeom prst="rect">
+            <a:avLst/>
+          </a:prstGeom>
+          <a:noFill/>
+        </p:spPr>
+        <p:txBody>
+          <a:bodyPr wrap="square" rtlCol="0">
+            <a:spAutoFit/>
+          </a:bodyPr>
+          <a:lstStyle/>
+          <a:p>
+            <a:r>
+              <a:rPr lang="en-GB" b="1" dirty="0"/>
+              <a:t>NSC-R Tidy Tuesday workshops</a:t>
+            </a:r>
+          </a:p>
+          <a:p>
+            <a:endParaRPr lang="en-GB" dirty="0"/>
+          </a:p>
+          <a:p>
+            <a:r>
+              <a:rPr lang="en-GB" dirty="0">
+                <a:solidFill>
+                  <a:schemeClr val="accent1"/>
+                </a:solidFill>
+              </a:rPr>
+              <a:t>Once a month</a:t>
+            </a:r>
+          </a:p>
+          <a:p>
+            <a:r>
+              <a:rPr lang="en-GB" dirty="0">
+                <a:solidFill>
+                  <a:schemeClr val="accent1"/>
+                </a:solidFill>
+              </a:rPr>
+              <a:t>Online</a:t>
+            </a:r>
+          </a:p>
+          <a:p>
+            <a:r>
+              <a:rPr lang="en-GB" dirty="0">
+                <a:solidFill>
+                  <a:schemeClr val="accent1"/>
+                </a:solidFill>
+              </a:rPr>
+              <a:t>Open to all</a:t>
+            </a:r>
+          </a:p>
+          <a:p>
+            <a:endParaRPr lang="en-GB" dirty="0"/>
+          </a:p>
+          <a:p>
+            <a:r>
+              <a:rPr lang="en-GB" dirty="0">
+                <a:solidFill>
+                  <a:schemeClr val="accent6">
+                    <a:lumMod val="75000"/>
+                  </a:schemeClr>
+                </a:solidFill>
+              </a:rPr>
+              <a:t>Fundamental skills</a:t>
+            </a:r>
+          </a:p>
+          <a:p>
+            <a:r>
+              <a:rPr lang="en-GB" dirty="0">
+                <a:solidFill>
+                  <a:schemeClr val="accent6">
+                    <a:lumMod val="75000"/>
+                  </a:schemeClr>
+                </a:solidFill>
+              </a:rPr>
+              <a:t>Led by NSC-R workshop team members</a:t>
+            </a:r>
+          </a:p>
+          <a:p>
+            <a:r>
+              <a:rPr lang="en-GB" dirty="0">
+                <a:solidFill>
+                  <a:schemeClr val="accent6">
+                    <a:lumMod val="75000"/>
+                  </a:schemeClr>
+                </a:solidFill>
+              </a:rPr>
+              <a:t>Diverse open datasets</a:t>
+            </a:r>
+          </a:p>
+          <a:p>
+            <a:r>
+              <a:rPr lang="en-GB" dirty="0">
+                <a:solidFill>
+                  <a:schemeClr val="accent6">
+                    <a:lumMod val="75000"/>
+                  </a:schemeClr>
+                </a:solidFill>
+              </a:rPr>
+              <a:t>Repetitive</a:t>
+            </a:r>
+          </a:p>
+          <a:p>
+            <a:r>
+              <a:rPr lang="en-GB" dirty="0">
+                <a:solidFill>
+                  <a:schemeClr val="accent6">
+                    <a:lumMod val="75000"/>
+                  </a:schemeClr>
+                </a:solidFill>
+              </a:rPr>
+              <a:t>Less structured</a:t>
+            </a:r>
+          </a:p>
+        </p:txBody>
+      </p:sp>
+      <p:pic>
+        <p:nvPicPr>
+          <p:cNvPr id="6" name="Afbeelding 5">
+            <a:extLst>
+              <a:ext uri="{FF2B5EF4-FFF2-40B4-BE49-F238E27FC236}">
+                <a16:creationId xmlns:a16="http://schemas.microsoft.com/office/drawing/2014/main" id="{9693BFED-2CBF-4477-8F3B-F44D5AA5E0C4}"/>
+              </a:ext>
+            </a:extLst>
+          </p:cNvPr>
+          <p:cNvPicPr>
+            <a:picLocks noChangeAspect="1"/>
+          </p:cNvPicPr>
+          <p:nvPr/>
+        </p:nvPicPr>
+        <p:blipFill>
+          <a:blip r:embed="rId2">
+            <a:extLst>
+              <a:ext uri="{28A0092B-C50C-407E-A947-70E740481C1C}">
+                <a14:useLocalDpi xmlns:a14="http://schemas.microsoft.com/office/drawing/2010/main" val="0"/>
+              </a:ext>
+            </a:extLst>
+          </a:blip>
+          <a:stretch>
+            <a:fillRect/>
+          </a:stretch>
+        </p:blipFill>
+        <p:spPr>
+          <a:xfrm>
+            <a:off x="302419" y="178208"/>
+            <a:ext cx="1387836" cy="1628718"/>
+          </a:xfrm>
+          <a:prstGeom prst="rect">
+            <a:avLst/>
+          </a:prstGeom>
+        </p:spPr>
+      </p:pic>
+      <p:sp>
+        <p:nvSpPr>
+          <p:cNvPr id="7" name="Tekstvak 6">
+            <a:extLst>
+              <a:ext uri="{FF2B5EF4-FFF2-40B4-BE49-F238E27FC236}">
+                <a16:creationId xmlns:a16="http://schemas.microsoft.com/office/drawing/2014/main" id="{5BB7D45B-C531-42E6-8EEE-41171486DC38}"/>
+              </a:ext>
+            </a:extLst>
+          </p:cNvPr>
+          <p:cNvSpPr txBox="1"/>
+          <p:nvPr/>
+        </p:nvSpPr>
+        <p:spPr>
+          <a:xfrm>
+            <a:off x="1505527" y="5477948"/>
+            <a:ext cx="8728364" cy="646331"/>
+          </a:xfrm>
+          <a:prstGeom prst="rect">
+            <a:avLst/>
+          </a:prstGeom>
+          <a:noFill/>
+        </p:spPr>
+        <p:txBody>
+          <a:bodyPr wrap="square" rtlCol="0">
+            <a:spAutoFit/>
+          </a:bodyPr>
+          <a:lstStyle/>
+          <a:p>
+            <a:pPr algn="ctr"/>
+            <a:r>
               <a:rPr lang="en-GB" dirty="0"/>
-              <a:t>One a month</a:t>
-            </a:r>
-          </a:p>
-          <a:p>
+              <a:t>NSC-R Workshops Team</a:t>
+            </a:r>
+          </a:p>
+          <a:p>
+            <a:r>
+              <a:rPr lang="en-GB" dirty="0">
+                <a:solidFill>
+                  <a:srgbClr val="FF0000"/>
+                </a:solidFill>
+              </a:rPr>
+              <a:t>Alex Trinidad </a:t>
+            </a:r>
             <a:r>
               <a:rPr lang="en-GB" dirty="0"/>
-              <a:t>Online</a:t>
-            </a:r>
-          </a:p>
-          <a:p>
+              <a:t>● </a:t>
+            </a:r>
+            <a:r>
+              <a:rPr lang="en-GB" dirty="0" err="1">
+                <a:solidFill>
+                  <a:srgbClr val="FF0000"/>
+                </a:solidFill>
+              </a:rPr>
+              <a:t>Asier</a:t>
+            </a:r>
+            <a:r>
+              <a:rPr lang="en-GB" dirty="0">
+                <a:solidFill>
+                  <a:srgbClr val="FF0000"/>
+                </a:solidFill>
+              </a:rPr>
+              <a:t> </a:t>
+            </a:r>
+            <a:r>
+              <a:rPr lang="en-GB" dirty="0" err="1">
+                <a:solidFill>
+                  <a:srgbClr val="FF0000"/>
+                </a:solidFill>
+              </a:rPr>
+              <a:t>Moneva</a:t>
+            </a:r>
+            <a:r>
+              <a:rPr lang="en-GB" dirty="0">
+                <a:solidFill>
+                  <a:srgbClr val="FF0000"/>
+                </a:solidFill>
+              </a:rPr>
+              <a:t> </a:t>
+            </a:r>
             <a:r>
               <a:rPr lang="en-GB" dirty="0"/>
-              <a:t>Open to all</a:t>
-            </a:r>
-          </a:p>
-          <a:p>
+              <a:t>● </a:t>
+            </a:r>
+            <a:r>
+              <a:rPr lang="en-GB" dirty="0">
+                <a:solidFill>
+                  <a:srgbClr val="FF0000"/>
+                </a:solidFill>
+              </a:rPr>
+              <a:t>Franziska </a:t>
+            </a:r>
+            <a:r>
+              <a:rPr lang="en-GB" dirty="0" err="1">
+                <a:solidFill>
+                  <a:srgbClr val="FF0000"/>
+                </a:solidFill>
+              </a:rPr>
+              <a:t>Yasrebi</a:t>
+            </a:r>
+            <a:r>
+              <a:rPr lang="en-GB" dirty="0">
+                <a:solidFill>
+                  <a:srgbClr val="FF0000"/>
+                </a:solidFill>
+              </a:rPr>
+              <a:t>–de </a:t>
+            </a:r>
+            <a:r>
+              <a:rPr lang="en-GB" dirty="0" err="1">
+                <a:solidFill>
+                  <a:srgbClr val="FF0000"/>
+                </a:solidFill>
+              </a:rPr>
+              <a:t>Kom</a:t>
+            </a:r>
+            <a:r>
+              <a:rPr lang="en-GB" dirty="0">
+                <a:solidFill>
+                  <a:srgbClr val="FF0000"/>
+                </a:solidFill>
+              </a:rPr>
+              <a:t> </a:t>
+            </a:r>
             <a:r>
               <a:rPr lang="en-GB" dirty="0"/>
-              <a:t>Fundamental skills</a:t>
-            </a:r>
-          </a:p>
-          <a:p>
+              <a:t>● </a:t>
+            </a:r>
+            <a:r>
+              <a:rPr lang="en-GB" dirty="0">
+                <a:solidFill>
+                  <a:srgbClr val="FF0000"/>
+                </a:solidFill>
+              </a:rPr>
+              <a:t>Sam Langton </a:t>
+            </a:r>
             <a:r>
               <a:rPr lang="en-GB" dirty="0"/>
-              <a:t>Diverse datasets</a:t>
-            </a:r>
-          </a:p>
-          <a:p>
-            <a:r>
-              <a:rPr lang="en-GB" dirty="0"/>
-              <a:t>Repetitive</a:t>
-            </a:r>
-          </a:p>
-          <a:p>
-            <a:r>
-              <a:rPr lang="en-GB" dirty="0"/>
-              <a:t>Less structured</a:t>
-            </a:r>
-          </a:p>
-          <a:p>
-            <a:endParaRPr lang="en-GB" dirty="0"/>
+              <a:t>● </a:t>
+            </a:r>
+            <a:r>
+              <a:rPr lang="en-GB" dirty="0">
+                <a:solidFill>
+                  <a:srgbClr val="FF0000"/>
+                </a:solidFill>
+              </a:rPr>
+              <a:t>Wim Bernasco </a:t>
+            </a:r>
           </a:p>
         </p:txBody>
       </p:sp>
     </p:spTree>
     <p:extLst>
       <p:ext uri="{BB962C8B-B14F-4D97-AF65-F5344CB8AC3E}">
-        <p14:creationId xmlns:p14="http://schemas.microsoft.com/office/powerpoint/2010/main" val="2679859402"/>
+        <p14:creationId xmlns:p14="http://schemas.microsoft.com/office/powerpoint/2010/main" val="2697164554"/>
       </p:ext>
     </p:extLst>
   </p:cSld>
@@ -3485,329 +3862,6 @@
       </p:grpSpPr>
       <p:sp>
         <p:nvSpPr>
-          <p:cNvPr id="2" name="Titel 1">
-            <a:extLst>
-              <a:ext uri="{FF2B5EF4-FFF2-40B4-BE49-F238E27FC236}">
-                <a16:creationId xmlns:a16="http://schemas.microsoft.com/office/drawing/2014/main" id="{1D5450EF-DB0C-4154-8C31-3C04599C3148}"/>
-              </a:ext>
-            </a:extLst>
-          </p:cNvPr>
-          <p:cNvSpPr>
-            <a:spLocks noGrp="1"/>
-          </p:cNvSpPr>
-          <p:nvPr>
-            <p:ph type="title"/>
-          </p:nvPr>
-        </p:nvSpPr>
-        <p:spPr/>
-        <p:txBody>
-          <a:bodyPr>
-            <a:normAutofit/>
-          </a:bodyPr>
-          <a:lstStyle/>
-          <a:p>
-            <a:pPr algn="ctr"/>
-            <a:r>
-              <a:rPr lang="en-GB" sz="8000" dirty="0"/>
-              <a:t>NSC-R Workshops</a:t>
-            </a:r>
-          </a:p>
-        </p:txBody>
-      </p:sp>
-      <p:sp>
-        <p:nvSpPr>
-          <p:cNvPr id="4" name="Tekstvak 3">
-            <a:extLst>
-              <a:ext uri="{FF2B5EF4-FFF2-40B4-BE49-F238E27FC236}">
-                <a16:creationId xmlns:a16="http://schemas.microsoft.com/office/drawing/2014/main" id="{F61DE96D-36A2-43A9-A466-940F90202214}"/>
-              </a:ext>
-            </a:extLst>
-          </p:cNvPr>
-          <p:cNvSpPr txBox="1"/>
-          <p:nvPr/>
-        </p:nvSpPr>
-        <p:spPr>
-          <a:xfrm>
-            <a:off x="1246909" y="2346036"/>
-            <a:ext cx="4285673" cy="3139321"/>
-          </a:xfrm>
-          <a:prstGeom prst="rect">
-            <a:avLst/>
-          </a:prstGeom>
-          <a:noFill/>
-        </p:spPr>
-        <p:txBody>
-          <a:bodyPr wrap="square" rtlCol="0">
-            <a:spAutoFit/>
-          </a:bodyPr>
-          <a:lstStyle/>
-          <a:p>
-            <a:r>
-              <a:rPr lang="en-GB" b="1" dirty="0"/>
-              <a:t>Regular workshops</a:t>
-            </a:r>
-          </a:p>
-          <a:p>
-            <a:endParaRPr lang="en-GB" dirty="0"/>
-          </a:p>
-          <a:p>
-            <a:r>
-              <a:rPr lang="en-GB" dirty="0">
-                <a:solidFill>
-                  <a:schemeClr val="accent1"/>
-                </a:solidFill>
-              </a:rPr>
-              <a:t>One a month</a:t>
-            </a:r>
-          </a:p>
-          <a:p>
-            <a:r>
-              <a:rPr lang="en-GB" dirty="0">
-                <a:solidFill>
-                  <a:schemeClr val="accent1"/>
-                </a:solidFill>
-              </a:rPr>
-              <a:t>Online</a:t>
-            </a:r>
-          </a:p>
-          <a:p>
-            <a:r>
-              <a:rPr lang="en-GB" dirty="0">
-                <a:solidFill>
-                  <a:schemeClr val="accent1"/>
-                </a:solidFill>
-              </a:rPr>
-              <a:t>Open to all</a:t>
-            </a:r>
-          </a:p>
-          <a:p>
-            <a:endParaRPr lang="en-GB" dirty="0"/>
-          </a:p>
-          <a:p>
-            <a:r>
-              <a:rPr lang="en-GB" dirty="0">
-                <a:solidFill>
-                  <a:schemeClr val="accent6">
-                    <a:lumMod val="75000"/>
-                  </a:schemeClr>
-                </a:solidFill>
-              </a:rPr>
-              <a:t>Special or advanced skills</a:t>
-            </a:r>
-          </a:p>
-          <a:p>
-            <a:r>
-              <a:rPr lang="en-GB" dirty="0">
-                <a:solidFill>
-                  <a:schemeClr val="accent6">
-                    <a:lumMod val="75000"/>
-                  </a:schemeClr>
-                </a:solidFill>
-              </a:rPr>
-              <a:t>Led by specialists</a:t>
-            </a:r>
-          </a:p>
-          <a:p>
-            <a:r>
-              <a:rPr lang="en-GB" dirty="0">
-                <a:solidFill>
-                  <a:schemeClr val="accent6">
-                    <a:lumMod val="75000"/>
-                  </a:schemeClr>
-                </a:solidFill>
-              </a:rPr>
-              <a:t>Data decided by presenters</a:t>
-            </a:r>
-          </a:p>
-          <a:p>
-            <a:r>
-              <a:rPr lang="en-GB" dirty="0">
-                <a:solidFill>
-                  <a:schemeClr val="accent6">
-                    <a:lumMod val="75000"/>
-                  </a:schemeClr>
-                </a:solidFill>
-              </a:rPr>
-              <a:t>Non-repetitive</a:t>
-            </a:r>
-          </a:p>
-          <a:p>
-            <a:r>
-              <a:rPr lang="en-GB" dirty="0">
-                <a:solidFill>
-                  <a:schemeClr val="accent6">
-                    <a:lumMod val="75000"/>
-                  </a:schemeClr>
-                </a:solidFill>
-              </a:rPr>
-              <a:t>More structured</a:t>
-            </a:r>
-          </a:p>
-        </p:txBody>
-      </p:sp>
-      <p:sp>
-        <p:nvSpPr>
-          <p:cNvPr id="5" name="Tekstvak 4">
-            <a:extLst>
-              <a:ext uri="{FF2B5EF4-FFF2-40B4-BE49-F238E27FC236}">
-                <a16:creationId xmlns:a16="http://schemas.microsoft.com/office/drawing/2014/main" id="{44D098D6-AA2F-4FF3-BA8F-C405C0BE3D38}"/>
-              </a:ext>
-            </a:extLst>
-          </p:cNvPr>
-          <p:cNvSpPr txBox="1"/>
-          <p:nvPr/>
-        </p:nvSpPr>
-        <p:spPr>
-          <a:xfrm>
-            <a:off x="5805061" y="2359891"/>
-            <a:ext cx="4285673" cy="3139321"/>
-          </a:xfrm>
-          <a:prstGeom prst="rect">
-            <a:avLst/>
-          </a:prstGeom>
-          <a:noFill/>
-        </p:spPr>
-        <p:txBody>
-          <a:bodyPr wrap="square" rtlCol="0">
-            <a:spAutoFit/>
-          </a:bodyPr>
-          <a:lstStyle/>
-          <a:p>
-            <a:r>
-              <a:rPr lang="en-GB" b="1" dirty="0"/>
-              <a:t>Tidy Tuesday workshops</a:t>
-            </a:r>
-          </a:p>
-          <a:p>
-            <a:endParaRPr lang="en-GB" dirty="0"/>
-          </a:p>
-          <a:p>
-            <a:r>
-              <a:rPr lang="en-GB" dirty="0">
-                <a:solidFill>
-                  <a:schemeClr val="accent1"/>
-                </a:solidFill>
-              </a:rPr>
-              <a:t>Once a month</a:t>
-            </a:r>
-          </a:p>
-          <a:p>
-            <a:r>
-              <a:rPr lang="en-GB" dirty="0">
-                <a:solidFill>
-                  <a:schemeClr val="accent1"/>
-                </a:solidFill>
-              </a:rPr>
-              <a:t>Online</a:t>
-            </a:r>
-          </a:p>
-          <a:p>
-            <a:r>
-              <a:rPr lang="en-GB" dirty="0">
-                <a:solidFill>
-                  <a:schemeClr val="accent1"/>
-                </a:solidFill>
-              </a:rPr>
-              <a:t>Open to all</a:t>
-            </a:r>
-          </a:p>
-          <a:p>
-            <a:endParaRPr lang="en-GB" dirty="0"/>
-          </a:p>
-          <a:p>
-            <a:r>
-              <a:rPr lang="en-GB" dirty="0">
-                <a:solidFill>
-                  <a:schemeClr val="accent6">
-                    <a:lumMod val="75000"/>
-                  </a:schemeClr>
-                </a:solidFill>
-              </a:rPr>
-              <a:t>Fundamental skills</a:t>
-            </a:r>
-          </a:p>
-          <a:p>
-            <a:r>
-              <a:rPr lang="en-GB" dirty="0">
-                <a:solidFill>
-                  <a:schemeClr val="accent6">
-                    <a:lumMod val="75000"/>
-                  </a:schemeClr>
-                </a:solidFill>
-              </a:rPr>
-              <a:t>Led by NSC-R workshop team members</a:t>
-            </a:r>
-          </a:p>
-          <a:p>
-            <a:r>
-              <a:rPr lang="en-GB" dirty="0">
-                <a:solidFill>
-                  <a:schemeClr val="accent6">
-                    <a:lumMod val="75000"/>
-                  </a:schemeClr>
-                </a:solidFill>
-              </a:rPr>
-              <a:t>Diverse open datasets</a:t>
-            </a:r>
-          </a:p>
-          <a:p>
-            <a:r>
-              <a:rPr lang="en-GB" dirty="0">
-                <a:solidFill>
-                  <a:schemeClr val="accent6">
-                    <a:lumMod val="75000"/>
-                  </a:schemeClr>
-                </a:solidFill>
-              </a:rPr>
-              <a:t>Repetitive</a:t>
-            </a:r>
-          </a:p>
-          <a:p>
-            <a:r>
-              <a:rPr lang="en-GB" dirty="0">
-                <a:solidFill>
-                  <a:schemeClr val="accent6">
-                    <a:lumMod val="75000"/>
-                  </a:schemeClr>
-                </a:solidFill>
-              </a:rPr>
-              <a:t>Less structured</a:t>
-            </a:r>
-          </a:p>
-        </p:txBody>
-      </p:sp>
-    </p:spTree>
-    <p:extLst>
-      <p:ext uri="{BB962C8B-B14F-4D97-AF65-F5344CB8AC3E}">
-        <p14:creationId xmlns:p14="http://schemas.microsoft.com/office/powerpoint/2010/main" val="2697164554"/>
-      </p:ext>
-    </p:extLst>
-  </p:cSld>
-  <p:clrMapOvr>
-    <a:masterClrMapping/>
-  </p:clrMapOvr>
-</p:sld>
-</file>
-
-<file path=ppt/slides/slide3.xml><?xml version="1.0" encoding="utf-8"?>
-<p:sld xmlns:a="http://schemas.openxmlformats.org/drawingml/2006/main" xmlns:r="http://schemas.openxmlformats.org/officeDocument/2006/relationships" xmlns:p="http://schemas.openxmlformats.org/presentationml/2006/main">
-  <p:cSld>
-    <p:spTree>
-      <p:nvGrpSpPr>
-        <p:cNvPr id="1" name=""/>
-        <p:cNvGrpSpPr/>
-        <p:nvPr/>
-      </p:nvGrpSpPr>
-      <p:grpSpPr>
-        <a:xfrm>
-          <a:off x="0" y="0"/>
-          <a:ext cx="0" cy="0"/>
-          <a:chOff x="0" y="0"/>
-          <a:chExt cx="0" cy="0"/>
-        </a:xfrm>
-      </p:grpSpPr>
-      <p:sp>
-        <p:nvSpPr>
           <p:cNvPr id="2" name="Title 1">
             <a:extLst>
               <a:ext uri="{FF2B5EF4-FFF2-40B4-BE49-F238E27FC236}">
@@ -3933,7 +3987,7 @@
           <a:graphicData uri="http://schemas.openxmlformats.org/presentationml/2006/ole">
             <mc:AlternateContent xmlns:mc="http://schemas.openxmlformats.org/markup-compatibility/2006">
               <mc:Choice xmlns:v="urn:schemas-microsoft-com:vml" Requires="v">
-                <p:oleObj spid="_x0000_s1034" name="Bitmap Image" r:id="rId5" imgW="8871120" imgH="4476600" progId="Paint.Picture">
+                <p:oleObj spid="_x0000_s1038" name="Bitmap Image" r:id="rId5" imgW="8871120" imgH="4476600" progId="Paint.Picture">
                   <p:embed/>
                 </p:oleObj>
               </mc:Choice>
@@ -4116,6 +4170,171 @@
     <p:extLst>
       <p:ext uri="{BB962C8B-B14F-4D97-AF65-F5344CB8AC3E}">
         <p14:creationId xmlns:p14="http://schemas.microsoft.com/office/powerpoint/2010/main" val="3944465590"/>
+      </p:ext>
+    </p:extLst>
+  </p:cSld>
+  <p:clrMapOvr>
+    <a:masterClrMapping/>
+  </p:clrMapOvr>
+</p:sld>
+</file>
+
+<file path=ppt/slides/slide3.xml><?xml version="1.0" encoding="utf-8"?>
+<p:sld xmlns:a="http://schemas.openxmlformats.org/drawingml/2006/main" xmlns:r="http://schemas.openxmlformats.org/officeDocument/2006/relationships" xmlns:p="http://schemas.openxmlformats.org/presentationml/2006/main">
+  <p:cSld>
+    <p:spTree>
+      <p:nvGrpSpPr>
+        <p:cNvPr id="1" name=""/>
+        <p:cNvGrpSpPr/>
+        <p:nvPr/>
+      </p:nvGrpSpPr>
+      <p:grpSpPr>
+        <a:xfrm>
+          <a:off x="0" y="0"/>
+          <a:ext cx="0" cy="0"/>
+          <a:chOff x="0" y="0"/>
+          <a:chExt cx="0" cy="0"/>
+        </a:xfrm>
+      </p:grpSpPr>
+      <p:sp>
+        <p:nvSpPr>
+          <p:cNvPr id="2" name="Titel 1">
+            <a:extLst>
+              <a:ext uri="{FF2B5EF4-FFF2-40B4-BE49-F238E27FC236}">
+                <a16:creationId xmlns:a16="http://schemas.microsoft.com/office/drawing/2014/main" id="{7D7B5619-717A-4099-9862-7F1B88605FAD}"/>
+              </a:ext>
+            </a:extLst>
+          </p:cNvPr>
+          <p:cNvSpPr>
+            <a:spLocks noGrp="1"/>
+          </p:cNvSpPr>
+          <p:nvPr>
+            <p:ph type="title"/>
+          </p:nvPr>
+        </p:nvSpPr>
+        <p:spPr/>
+        <p:txBody>
+          <a:bodyPr/>
+          <a:lstStyle/>
+          <a:p>
+            <a:r>
+              <a:rPr lang="en-GB" dirty="0"/>
+              <a:t>Data science workflow</a:t>
+            </a:r>
+          </a:p>
+        </p:txBody>
+      </p:sp>
+      <p:pic>
+        <p:nvPicPr>
+          <p:cNvPr id="5" name="Afbeelding 4">
+            <a:extLst>
+              <a:ext uri="{FF2B5EF4-FFF2-40B4-BE49-F238E27FC236}">
+                <a16:creationId xmlns:a16="http://schemas.microsoft.com/office/drawing/2014/main" id="{5313A17E-D17F-4FE2-B197-403D1AADCD2B}"/>
+              </a:ext>
+            </a:extLst>
+          </p:cNvPr>
+          <p:cNvPicPr>
+            <a:picLocks noChangeAspect="1"/>
+          </p:cNvPicPr>
+          <p:nvPr/>
+        </p:nvPicPr>
+        <p:blipFill>
+          <a:blip r:embed="rId2">
+            <a:extLst>
+              <a:ext uri="{28A0092B-C50C-407E-A947-70E740481C1C}">
+                <a14:useLocalDpi xmlns:a14="http://schemas.microsoft.com/office/drawing/2010/main" val="0"/>
+              </a:ext>
+            </a:extLst>
+          </a:blip>
+          <a:stretch>
+            <a:fillRect/>
+          </a:stretch>
+        </p:blipFill>
+        <p:spPr>
+          <a:xfrm>
+            <a:off x="1558288" y="2445205"/>
+            <a:ext cx="7537175" cy="2960171"/>
+          </a:xfrm>
+          <a:prstGeom prst="rect">
+            <a:avLst/>
+          </a:prstGeom>
+        </p:spPr>
+      </p:pic>
+      <p:sp>
+        <p:nvSpPr>
+          <p:cNvPr id="6" name="Tekstvak 5">
+            <a:extLst>
+              <a:ext uri="{FF2B5EF4-FFF2-40B4-BE49-F238E27FC236}">
+                <a16:creationId xmlns:a16="http://schemas.microsoft.com/office/drawing/2014/main" id="{7CC3C1BB-1095-4E93-8B21-F4AAA4F2B571}"/>
+              </a:ext>
+            </a:extLst>
+          </p:cNvPr>
+          <p:cNvSpPr txBox="1"/>
+          <p:nvPr/>
+        </p:nvSpPr>
+        <p:spPr>
+          <a:xfrm>
+            <a:off x="10375740" y="3429000"/>
+            <a:ext cx="1233668" cy="369332"/>
+          </a:xfrm>
+          <a:prstGeom prst="rect">
+            <a:avLst/>
+          </a:prstGeom>
+          <a:noFill/>
+        </p:spPr>
+        <p:txBody>
+          <a:bodyPr wrap="square" rtlCol="0">
+            <a:spAutoFit/>
+          </a:bodyPr>
+          <a:lstStyle/>
+          <a:p>
+            <a:r>
+              <a:rPr lang="en-GB" dirty="0"/>
+              <a:t>Source</a:t>
+            </a:r>
+          </a:p>
+        </p:txBody>
+      </p:sp>
+      <p:pic>
+        <p:nvPicPr>
+          <p:cNvPr id="7" name="Picture 4">
+            <a:extLst>
+              <a:ext uri="{FF2B5EF4-FFF2-40B4-BE49-F238E27FC236}">
+                <a16:creationId xmlns:a16="http://schemas.microsoft.com/office/drawing/2014/main" id="{A08BF1DA-F279-45DF-9301-06E1DE96AD79}"/>
+              </a:ext>
+            </a:extLst>
+          </p:cNvPr>
+          <p:cNvPicPr>
+            <a:picLocks noChangeAspect="1"/>
+          </p:cNvPicPr>
+          <p:nvPr/>
+        </p:nvPicPr>
+        <p:blipFill>
+          <a:blip r:embed="rId3">
+            <a:extLst>
+              <a:ext uri="{28A0092B-C50C-407E-A947-70E740481C1C}">
+                <a14:useLocalDpi xmlns:a14="http://schemas.microsoft.com/office/drawing/2010/main" val="0"/>
+              </a:ext>
+            </a:extLst>
+          </a:blip>
+          <a:stretch>
+            <a:fillRect/>
+          </a:stretch>
+        </p:blipFill>
+        <p:spPr>
+          <a:xfrm>
+            <a:off x="9986714" y="3959756"/>
+            <a:ext cx="1773165" cy="2659748"/>
+          </a:xfrm>
+          <a:prstGeom prst="rect">
+            <a:avLst/>
+          </a:prstGeom>
+        </p:spPr>
+      </p:pic>
+    </p:spTree>
+    <p:extLst>
+      <p:ext uri="{BB962C8B-B14F-4D97-AF65-F5344CB8AC3E}">
+        <p14:creationId xmlns:p14="http://schemas.microsoft.com/office/powerpoint/2010/main" val="2195830079"/>
       </p:ext>
     </p:extLst>
   </p:cSld>
